--- a/docs/Domain.pptx
+++ b/docs/Domain.pptx
@@ -5,8 +5,7 @@
     <p:sldMasterId id="2147483648" r:id="rId1"/>
   </p:sldMasterIdLst>
   <p:sldIdLst>
-    <p:sldId id="256" r:id="rId2"/>
-    <p:sldId id="257" r:id="rId3"/>
+    <p:sldId id="257" r:id="rId2"/>
   </p:sldIdLst>
   <p:sldSz cx="12192000" cy="6858000"/>
   <p:notesSz cx="6858000" cy="9144000"/>
@@ -2972,82 +2971,14 @@
       </p:grpSpPr>
       <p:sp>
         <p:nvSpPr>
-          <p:cNvPr id="2" name="Título 1"/>
-          <p:cNvSpPr>
-            <a:spLocks noGrp="1"/>
-          </p:cNvSpPr>
-          <p:nvPr>
-            <p:ph type="ctrTitle"/>
-          </p:nvPr>
-        </p:nvSpPr>
-        <p:spPr/>
-        <p:txBody>
-          <a:bodyPr/>
-          <a:lstStyle/>
-          <a:p>
-            <a:endParaRPr lang="en-US"/>
-          </a:p>
-        </p:txBody>
-      </p:sp>
-      <p:sp>
-        <p:nvSpPr>
-          <p:cNvPr id="3" name="Subtítulo 2"/>
-          <p:cNvSpPr>
-            <a:spLocks noGrp="1"/>
-          </p:cNvSpPr>
-          <p:nvPr>
-            <p:ph type="subTitle" idx="1"/>
-          </p:nvPr>
-        </p:nvSpPr>
-        <p:spPr/>
-        <p:txBody>
-          <a:bodyPr/>
-          <a:lstStyle/>
-          <a:p>
-            <a:endParaRPr lang="en-US"/>
-          </a:p>
-        </p:txBody>
-      </p:sp>
-    </p:spTree>
-    <p:extLst>
-      <p:ext uri="{BB962C8B-B14F-4D97-AF65-F5344CB8AC3E}">
-        <p14:creationId xmlns:p14="http://schemas.microsoft.com/office/powerpoint/2010/main" val="2987546920"/>
-      </p:ext>
-    </p:extLst>
-  </p:cSld>
-  <p:clrMapOvr>
-    <a:masterClrMapping/>
-  </p:clrMapOvr>
-</p:sld>
-</file>
-
-<file path=ppt/slides/slide2.xml><?xml version="1.0" encoding="utf-8"?>
-<p:sld xmlns:a="http://schemas.openxmlformats.org/drawingml/2006/main" xmlns:r="http://schemas.openxmlformats.org/officeDocument/2006/relationships" xmlns:p="http://schemas.openxmlformats.org/presentationml/2006/main">
-  <p:cSld>
-    <p:spTree>
-      <p:nvGrpSpPr>
-        <p:cNvPr id="1" name=""/>
-        <p:cNvGrpSpPr/>
-        <p:nvPr/>
-      </p:nvGrpSpPr>
-      <p:grpSpPr>
-        <a:xfrm>
-          <a:off x="0" y="0"/>
-          <a:ext cx="0" cy="0"/>
-          <a:chOff x="0" y="0"/>
-          <a:chExt cx="0" cy="0"/>
-        </a:xfrm>
-      </p:grpSpPr>
-      <p:sp>
-        <p:nvSpPr>
           <p:cNvPr id="8" name="Elipse 7"/>
           <p:cNvSpPr/>
           <p:nvPr/>
         </p:nvSpPr>
         <p:spPr>
           <a:xfrm>
-            <a:off x="5311715" y="2094782"/>
-            <a:ext cx="3946586" cy="2648668"/>
+            <a:off x="5387915" y="2094782"/>
+            <a:ext cx="3946586" cy="2601043"/>
           </a:xfrm>
           <a:prstGeom prst="ellipse">
             <a:avLst/>
@@ -3244,7 +3175,7 @@
         </p:nvSpPr>
         <p:spPr>
           <a:xfrm>
-            <a:off x="6956665" y="3680610"/>
+            <a:off x="7137640" y="3480585"/>
             <a:ext cx="1708030" cy="500332"/>
           </a:xfrm>
           <a:prstGeom prst="rect">
@@ -3396,6 +3327,43 @@
           </a:prstGeom>
           <a:ln w="28575">
             <a:prstDash val="sysDash"/>
+            <a:tailEnd type="triangle" w="lg" len="lg"/>
+          </a:ln>
+        </p:spPr>
+        <p:style>
+          <a:lnRef idx="1">
+            <a:schemeClr val="accent1"/>
+          </a:lnRef>
+          <a:fillRef idx="0">
+            <a:schemeClr val="accent1"/>
+          </a:fillRef>
+          <a:effectRef idx="0">
+            <a:schemeClr val="accent1"/>
+          </a:effectRef>
+          <a:fontRef idx="minor">
+            <a:schemeClr val="tx1"/>
+          </a:fontRef>
+        </p:style>
+      </p:cxnSp>
+      <p:cxnSp>
+        <p:nvCxnSpPr>
+          <p:cNvPr id="10" name="Conector em curva 9"/>
+          <p:cNvCxnSpPr>
+            <a:stCxn id="5" idx="3"/>
+            <a:endCxn id="6" idx="0"/>
+          </p:cNvCxnSpPr>
+          <p:nvPr/>
+        </p:nvCxnSpPr>
+        <p:spPr>
+          <a:xfrm>
+            <a:off x="7612811" y="2849596"/>
+            <a:ext cx="378844" cy="630989"/>
+          </a:xfrm>
+          <a:prstGeom prst="curvedConnector2">
+            <a:avLst/>
+          </a:prstGeom>
+          <a:ln w="28575">
+            <a:prstDash val="solid"/>
             <a:tailEnd type="triangle" w="lg" len="lg"/>
           </a:ln>
         </p:spPr>

--- a/docs/Domain.pptx
+++ b/docs/Domain.pptx
@@ -243,7 +243,7 @@
           <a:p>
             <a:fld id="{9B2230C3-6DD4-4EA3-9188-D5C9DFCFC5EE}" type="datetimeFigureOut">
               <a:rPr lang="en-US" smtClean="0"/>
-              <a:t>9/6/2017</a:t>
+              <a:t>9/19/2017</a:t>
             </a:fld>
             <a:endParaRPr lang="en-US"/>
           </a:p>
@@ -413,7 +413,7 @@
           <a:p>
             <a:fld id="{9B2230C3-6DD4-4EA3-9188-D5C9DFCFC5EE}" type="datetimeFigureOut">
               <a:rPr lang="en-US" smtClean="0"/>
-              <a:t>9/6/2017</a:t>
+              <a:t>9/19/2017</a:t>
             </a:fld>
             <a:endParaRPr lang="en-US"/>
           </a:p>
@@ -593,7 +593,7 @@
           <a:p>
             <a:fld id="{9B2230C3-6DD4-4EA3-9188-D5C9DFCFC5EE}" type="datetimeFigureOut">
               <a:rPr lang="en-US" smtClean="0"/>
-              <a:t>9/6/2017</a:t>
+              <a:t>9/19/2017</a:t>
             </a:fld>
             <a:endParaRPr lang="en-US"/>
           </a:p>
@@ -763,7 +763,7 @@
           <a:p>
             <a:fld id="{9B2230C3-6DD4-4EA3-9188-D5C9DFCFC5EE}" type="datetimeFigureOut">
               <a:rPr lang="en-US" smtClean="0"/>
-              <a:t>9/6/2017</a:t>
+              <a:t>9/19/2017</a:t>
             </a:fld>
             <a:endParaRPr lang="en-US"/>
           </a:p>
@@ -1009,7 +1009,7 @@
           <a:p>
             <a:fld id="{9B2230C3-6DD4-4EA3-9188-D5C9DFCFC5EE}" type="datetimeFigureOut">
               <a:rPr lang="en-US" smtClean="0"/>
-              <a:t>9/6/2017</a:t>
+              <a:t>9/19/2017</a:t>
             </a:fld>
             <a:endParaRPr lang="en-US"/>
           </a:p>
@@ -1241,7 +1241,7 @@
           <a:p>
             <a:fld id="{9B2230C3-6DD4-4EA3-9188-D5C9DFCFC5EE}" type="datetimeFigureOut">
               <a:rPr lang="en-US" smtClean="0"/>
-              <a:t>9/6/2017</a:t>
+              <a:t>9/19/2017</a:t>
             </a:fld>
             <a:endParaRPr lang="en-US"/>
           </a:p>
@@ -1608,7 +1608,7 @@
           <a:p>
             <a:fld id="{9B2230C3-6DD4-4EA3-9188-D5C9DFCFC5EE}" type="datetimeFigureOut">
               <a:rPr lang="en-US" smtClean="0"/>
-              <a:t>9/6/2017</a:t>
+              <a:t>9/19/2017</a:t>
             </a:fld>
             <a:endParaRPr lang="en-US"/>
           </a:p>
@@ -1726,7 +1726,7 @@
           <a:p>
             <a:fld id="{9B2230C3-6DD4-4EA3-9188-D5C9DFCFC5EE}" type="datetimeFigureOut">
               <a:rPr lang="en-US" smtClean="0"/>
-              <a:t>9/6/2017</a:t>
+              <a:t>9/19/2017</a:t>
             </a:fld>
             <a:endParaRPr lang="en-US"/>
           </a:p>
@@ -1821,7 +1821,7 @@
           <a:p>
             <a:fld id="{9B2230C3-6DD4-4EA3-9188-D5C9DFCFC5EE}" type="datetimeFigureOut">
               <a:rPr lang="en-US" smtClean="0"/>
-              <a:t>9/6/2017</a:t>
+              <a:t>9/19/2017</a:t>
             </a:fld>
             <a:endParaRPr lang="en-US"/>
           </a:p>
@@ -2098,7 +2098,7 @@
           <a:p>
             <a:fld id="{9B2230C3-6DD4-4EA3-9188-D5C9DFCFC5EE}" type="datetimeFigureOut">
               <a:rPr lang="en-US" smtClean="0"/>
-              <a:t>9/6/2017</a:t>
+              <a:t>9/19/2017</a:t>
             </a:fld>
             <a:endParaRPr lang="en-US"/>
           </a:p>
@@ -2351,7 +2351,7 @@
           <a:p>
             <a:fld id="{9B2230C3-6DD4-4EA3-9188-D5C9DFCFC5EE}" type="datetimeFigureOut">
               <a:rPr lang="en-US" smtClean="0"/>
-              <a:t>9/6/2017</a:t>
+              <a:t>9/19/2017</a:t>
             </a:fld>
             <a:endParaRPr lang="en-US"/>
           </a:p>
@@ -2564,7 +2564,7 @@
           <a:p>
             <a:fld id="{9B2230C3-6DD4-4EA3-9188-D5C9DFCFC5EE}" type="datetimeFigureOut">
               <a:rPr lang="en-US" smtClean="0"/>
-              <a:t>9/6/2017</a:t>
+              <a:t>9/19/2017</a:t>
             </a:fld>
             <a:endParaRPr lang="en-US"/>
           </a:p>
@@ -3079,6 +3079,11 @@
           <a:prstGeom prst="rect">
             <a:avLst/>
           </a:prstGeom>
+          <a:solidFill>
+            <a:schemeClr val="accent6">
+              <a:lumMod val="75000"/>
+            </a:schemeClr>
+          </a:solidFill>
           <a:effectLst>
             <a:outerShdw blurRad="50800" dist="38100" algn="l" rotWithShape="0">
               <a:prstClr val="black">
@@ -3109,10 +3114,10 @@
           <a:p>
             <a:pPr algn="ctr"/>
             <a:r>
-              <a:rPr lang="pt-BR" dirty="0"/>
+              <a:rPr lang="pt-BR" u="sng" dirty="0"/>
               <a:t>Blog</a:t>
             </a:r>
-            <a:endParaRPr lang="en-US" dirty="0"/>
+            <a:endParaRPr lang="en-US" u="sng" dirty="0"/>
           </a:p>
         </p:txBody>
       </p:sp>
@@ -3130,6 +3135,11 @@
           <a:prstGeom prst="rect">
             <a:avLst/>
           </a:prstGeom>
+          <a:solidFill>
+            <a:schemeClr val="accent6">
+              <a:lumMod val="75000"/>
+            </a:schemeClr>
+          </a:solidFill>
           <a:effectLst>
             <a:outerShdw blurRad="50800" dist="38100" algn="l" rotWithShape="0">
               <a:prstClr val="black">
@@ -3160,10 +3170,10 @@
           <a:p>
             <a:pPr algn="ctr"/>
             <a:r>
-              <a:rPr lang="pt-BR" dirty="0"/>
+              <a:rPr lang="pt-BR" u="sng" dirty="0"/>
               <a:t>Post</a:t>
             </a:r>
-            <a:endParaRPr lang="en-US" dirty="0"/>
+            <a:endParaRPr lang="en-US" u="sng" dirty="0"/>
           </a:p>
         </p:txBody>
       </p:sp>
@@ -3181,6 +3191,11 @@
           <a:prstGeom prst="rect">
             <a:avLst/>
           </a:prstGeom>
+          <a:solidFill>
+            <a:schemeClr val="accent6">
+              <a:lumMod val="75000"/>
+            </a:schemeClr>
+          </a:solidFill>
           <a:effectLst>
             <a:outerShdw blurRad="50800" dist="38100" algn="l" rotWithShape="0">
               <a:prstClr val="black">
@@ -3232,6 +3247,11 @@
           <a:prstGeom prst="rect">
             <a:avLst/>
           </a:prstGeom>
+          <a:solidFill>
+            <a:schemeClr val="accent6">
+              <a:lumMod val="75000"/>
+            </a:schemeClr>
+          </a:solidFill>
           <a:effectLst>
             <a:outerShdw blurRad="50800" dist="38100" algn="l" rotWithShape="0">
               <a:prstClr val="black">
